--- a/LendingClubCaseStudy.pptx
+++ b/LendingClubCaseStudy.pptx
@@ -258,7 +258,7 @@
   </p:defaultTextStyle>
   <p:extLst>
     <p:ext uri="{EFAFB233-063F-42B5-8137-9DF3F51BA10A}">
-      <p15:sldGuideLst xmlns="" xmlns:mc="http://schemas.openxmlformats.org/markup-compatibility/2006" xmlns:mv="urn:schemas-microsoft-com:mac:vml" xmlns:c="http://schemas.openxmlformats.org/drawingml/2006/chart" xmlns:dgm="http://schemas.openxmlformats.org/drawingml/2006/diagram" xmlns:o="urn:schemas-microsoft-com:office:office" xmlns:v="urn:schemas-microsoft-com:vml" xmlns:pvml="urn:schemas-microsoft-com:office:powerpoint" xmlns:com="http://schemas.openxmlformats.org/drawingml/2006/compatibility" xmlns:p14="http://schemas.microsoft.com/office/powerpoint/2010/main" xmlns:p15="http://schemas.microsoft.com/office/powerpoint/2012/main" xmlns:ahyp="http://schemas.microsoft.com/office/drawing/2018/hyperlinkcolor">
+      <p15:sldGuideLst xmlns:ahyp="http://schemas.microsoft.com/office/drawing/2018/hyperlinkcolor" xmlns:p15="http://schemas.microsoft.com/office/powerpoint/2012/main" xmlns:p14="http://schemas.microsoft.com/office/powerpoint/2010/main" xmlns:com="http://schemas.openxmlformats.org/drawingml/2006/compatibility" xmlns:pvml="urn:schemas-microsoft-com:office:powerpoint" xmlns:v="urn:schemas-microsoft-com:vml" xmlns:o="urn:schemas-microsoft-com:office:office" xmlns:dgm="http://schemas.openxmlformats.org/drawingml/2006/diagram" xmlns:c="http://schemas.openxmlformats.org/drawingml/2006/chart" xmlns:mv="urn:schemas-microsoft-com:mac:vml" xmlns:mc="http://schemas.openxmlformats.org/markup-compatibility/2006" xmlns="">
         <p15:guide id="1" orient="horz" pos="1620">
           <p15:clr>
             <a:srgbClr val="747775"/>
@@ -6801,8 +6801,8 @@
         </p:blipFill>
         <p:spPr>
           <a:xfrm>
-            <a:off x="0" y="929186"/>
-            <a:ext cx="9143999" cy="4199527"/>
+            <a:off x="0" y="1237534"/>
+            <a:ext cx="9143999" cy="3891179"/>
           </a:xfrm>
           <a:prstGeom prst="rect">
             <a:avLst/>
@@ -7105,40 +7105,6 @@
           </a:p>
         </p:txBody>
       </p:sp>
-      <p:sp>
-        <p:nvSpPr>
-          <p:cNvPr id="111" name="Google Shape;111;p21"/>
-          <p:cNvSpPr txBox="1">
-            <a:spLocks noGrp="1"/>
-          </p:cNvSpPr>
-          <p:nvPr>
-            <p:ph type="body" idx="1"/>
-          </p:nvPr>
-        </p:nvSpPr>
-        <p:spPr>
-          <a:prstGeom prst="rect">
-            <a:avLst/>
-          </a:prstGeom>
-        </p:spPr>
-        <p:txBody>
-          <a:bodyPr spcFirstLastPara="1" wrap="square" lIns="91425" tIns="91425" rIns="91425" bIns="91425" anchor="t" anchorCtr="0">
-            <a:normAutofit/>
-          </a:bodyPr>
-          <a:lstStyle/>
-          <a:p>
-            <a:pPr marL="0" lvl="0" indent="0" algn="l" rtl="0">
-              <a:spcBef>
-                <a:spcPts val="0"/>
-              </a:spcBef>
-              <a:spcAft>
-                <a:spcPts val="1200"/>
-              </a:spcAft>
-              <a:buNone/>
-            </a:pPr>
-            <a:endParaRPr/>
-          </a:p>
-        </p:txBody>
-      </p:sp>
       <p:pic>
         <p:nvPicPr>
           <p:cNvPr id="112" name="Google Shape;112;p21"/>
@@ -7905,11 +7871,7 @@
             </a:r>
             <a:r>
               <a:rPr lang="en-IN" sz="1800" b="1" dirty="0" smtClean="0"/>
-              <a:t>', </a:t>
-            </a:r>
-            <a:r>
-              <a:rPr lang="en-IN" sz="1800" b="1" dirty="0" smtClean="0"/>
-              <a:t>'</a:t>
+              <a:t>', '</a:t>
             </a:r>
             <a:r>
               <a:rPr lang="en-IN" sz="1800" b="1" dirty="0" err="1" smtClean="0"/>
@@ -8001,7 +7963,7 @@
         </p:spPr>
         <p:txBody>
           <a:bodyPr spcFirstLastPara="1" wrap="square" lIns="91425" tIns="91425" rIns="91425" bIns="91425" anchor="t" anchorCtr="0">
-            <a:normAutofit fontScale="90000"/>
+            <a:noAutofit/>
           </a:bodyPr>
           <a:lstStyle/>
           <a:p>
@@ -8015,44 +7977,10 @@
               <a:buNone/>
             </a:pPr>
             <a:r>
-              <a:rPr lang="en"/>
+              <a:rPr lang="en" sz="3200" dirty="0"/>
               <a:t>Majority of employees are able to fully pay loan</a:t>
             </a:r>
-            <a:endParaRPr/>
-          </a:p>
-        </p:txBody>
-      </p:sp>
-      <p:sp>
-        <p:nvSpPr>
-          <p:cNvPr id="67" name="Google Shape;67;p15"/>
-          <p:cNvSpPr txBox="1">
-            <a:spLocks noGrp="1"/>
-          </p:cNvSpPr>
-          <p:nvPr>
-            <p:ph type="body" idx="1"/>
-          </p:nvPr>
-        </p:nvSpPr>
-        <p:spPr>
-          <a:prstGeom prst="rect">
-            <a:avLst/>
-          </a:prstGeom>
-        </p:spPr>
-        <p:txBody>
-          <a:bodyPr spcFirstLastPara="1" wrap="square" lIns="91425" tIns="91425" rIns="91425" bIns="91425" anchor="t" anchorCtr="0">
-            <a:normAutofit/>
-          </a:bodyPr>
-          <a:lstStyle/>
-          <a:p>
-            <a:pPr marL="0" lvl="0" indent="0" algn="l" rtl="0">
-              <a:spcBef>
-                <a:spcPts val="0"/>
-              </a:spcBef>
-              <a:spcAft>
-                <a:spcPts val="1200"/>
-              </a:spcAft>
-              <a:buNone/>
-            </a:pPr>
-            <a:endParaRPr/>
+            <a:endParaRPr sz="3200"/>
           </a:p>
         </p:txBody>
       </p:sp>
